--- a/PPT/MachineLearning07-Numpy.pptx
+++ b/PPT/MachineLearning07-Numpy.pptx
@@ -3862,11 +3862,7 @@
             <a:pPr lvl="1"/>
             <a:r>
               <a:rPr lang="fr-FR" dirty="0" smtClean="0"/>
-              <a:t>Corrélation = 90.7% (TB</a:t>
-            </a:r>
-            <a:r>
-              <a:rPr lang="fr-FR" dirty="0" smtClean="0"/>
-              <a:t>)</a:t>
+              <a:t>Corrélation = 90.7% (TB)</a:t>
             </a:r>
             <a:endParaRPr lang="fr-FR" dirty="0"/>
           </a:p>
@@ -4006,15 +4002,7 @@
             </a:r>
             <a:r>
               <a:rPr lang="fr-FR" dirty="0" smtClean="0"/>
-              <a:t>34.Surface </a:t>
-            </a:r>
-            <a:r>
-              <a:rPr lang="fr-FR" dirty="0" smtClean="0"/>
-              <a:t>+ </a:t>
-            </a:r>
-            <a:r>
-              <a:rPr lang="fr-FR" dirty="0" smtClean="0"/>
-              <a:t>71</a:t>
+              <a:t>34.Surface + 71</a:t>
             </a:r>
             <a:endParaRPr lang="fr-FR" dirty="0"/>
           </a:p>
@@ -4033,11 +4021,7 @@
           <a:p>
             <a:r>
               <a:rPr lang="fr-FR" dirty="0" smtClean="0"/>
-              <a:t>Meilleur </a:t>
-            </a:r>
-            <a:r>
-              <a:rPr lang="fr-FR" dirty="0" smtClean="0"/>
-              <a:t>résultat</a:t>
+              <a:t>Meilleur résultat</a:t>
             </a:r>
             <a:endParaRPr lang="fr-FR" dirty="0"/>
           </a:p>
@@ -5844,11 +5828,15 @@
             </a:r>
             <a:r>
               <a:rPr lang="fr-FR" dirty="0" err="1" smtClean="0"/>
-              <a:t>inercept</a:t>
+              <a:t>intercept</a:t>
             </a:r>
             <a:r>
               <a:rPr lang="fr-FR" dirty="0" smtClean="0"/>
-              <a:t> = b, </a:t>
+              <a:t> </a:t>
+            </a:r>
+            <a:r>
+              <a:rPr lang="fr-FR" dirty="0" smtClean="0"/>
+              <a:t>= b, </a:t>
             </a:r>
             <a:r>
               <a:rPr lang="fr-FR" dirty="0" err="1" smtClean="0"/>

--- a/PPT/MachineLearning07-Numpy.pptx
+++ b/PPT/MachineLearning07-Numpy.pptx
@@ -5,10 +5,10 @@
     <p:sldMasterId id="2147483653" r:id="rId1"/>
   </p:sldMasterIdLst>
   <p:notesMasterIdLst>
-    <p:notesMasterId r:id="rId15"/>
+    <p:notesMasterId r:id="rId13"/>
   </p:notesMasterIdLst>
   <p:handoutMasterIdLst>
-    <p:handoutMasterId r:id="rId16"/>
+    <p:handoutMasterId r:id="rId14"/>
   </p:handoutMasterIdLst>
   <p:sldIdLst>
     <p:sldId id="264" r:id="rId2"/>
@@ -22,8 +22,6 @@
     <p:sldId id="278" r:id="rId10"/>
     <p:sldId id="280" r:id="rId11"/>
     <p:sldId id="281" r:id="rId12"/>
-    <p:sldId id="282" r:id="rId13"/>
-    <p:sldId id="273" r:id="rId14"/>
   </p:sldIdLst>
   <p:sldSz cx="9144000" cy="6858000" type="screen4x3"/>
   <p:notesSz cx="6648450" cy="9782175"/>
@@ -4071,342 +4069,6 @@
 </p:sld>
 </file>
 
-<file path=ppt/slides/slide12.xml><?xml version="1.0" encoding="utf-8"?>
-<p:sld xmlns:a="http://schemas.openxmlformats.org/drawingml/2006/main" xmlns:r="http://schemas.openxmlformats.org/officeDocument/2006/relationships" xmlns:p="http://schemas.openxmlformats.org/presentationml/2006/main">
-  <p:cSld>
-    <p:spTree>
-      <p:nvGrpSpPr>
-        <p:cNvPr id="1" name=""/>
-        <p:cNvGrpSpPr/>
-        <p:nvPr/>
-      </p:nvGrpSpPr>
-      <p:grpSpPr>
-        <a:xfrm>
-          <a:off x="0" y="0"/>
-          <a:ext cx="0" cy="0"/>
-          <a:chOff x="0" y="0"/>
-          <a:chExt cx="0" cy="0"/>
-        </a:xfrm>
-      </p:grpSpPr>
-      <p:sp>
-        <p:nvSpPr>
-          <p:cNvPr id="2" name="Titre 1"/>
-          <p:cNvSpPr>
-            <a:spLocks noGrp="1"/>
-          </p:cNvSpPr>
-          <p:nvPr>
-            <p:ph type="title"/>
-          </p:nvPr>
-        </p:nvSpPr>
-        <p:spPr/>
-        <p:txBody>
-          <a:bodyPr/>
-          <a:lstStyle/>
-          <a:p>
-            <a:r>
-              <a:rPr lang="fr-FR" dirty="0" smtClean="0"/>
-              <a:t>Les nombres complexes</a:t>
-            </a:r>
-            <a:endParaRPr lang="fr-FR" dirty="0"/>
-          </a:p>
-        </p:txBody>
-      </p:sp>
-      <p:sp>
-        <p:nvSpPr>
-          <p:cNvPr id="3" name="Espace réservé du contenu 2"/>
-          <p:cNvSpPr>
-            <a:spLocks noGrp="1"/>
-          </p:cNvSpPr>
-          <p:nvPr>
-            <p:ph idx="1"/>
-          </p:nvPr>
-        </p:nvSpPr>
-        <p:spPr/>
-        <p:txBody>
-          <a:bodyPr/>
-          <a:lstStyle/>
-          <a:p>
-            <a:r>
-              <a:rPr lang="fr-FR" dirty="0"/>
-              <a:t>j</a:t>
-            </a:r>
-            <a:r>
-              <a:rPr lang="fr-FR" dirty="0" smtClean="0"/>
-              <a:t>² = -1</a:t>
-            </a:r>
-          </a:p>
-          <a:p>
-            <a:r>
-              <a:rPr lang="fr-FR" dirty="0"/>
-              <a:t>x</a:t>
-            </a:r>
-            <a:r>
-              <a:rPr lang="fr-FR" dirty="0" smtClean="0"/>
-              <a:t> = 2j + 3</a:t>
-            </a:r>
-          </a:p>
-          <a:p>
-            <a:r>
-              <a:rPr lang="fr-FR" dirty="0" err="1"/>
-              <a:t>n</a:t>
-            </a:r>
-            <a:r>
-              <a:rPr lang="fr-FR" dirty="0" err="1" smtClean="0"/>
-              <a:t>p.real</a:t>
-            </a:r>
-            <a:r>
-              <a:rPr lang="fr-FR" dirty="0" smtClean="0"/>
-              <a:t>(x) donne 3</a:t>
-            </a:r>
-          </a:p>
-          <a:p>
-            <a:r>
-              <a:rPr lang="fr-FR" dirty="0" err="1"/>
-              <a:t>n</a:t>
-            </a:r>
-            <a:r>
-              <a:rPr lang="fr-FR" dirty="0" err="1" smtClean="0"/>
-              <a:t>p.imag</a:t>
-            </a:r>
-            <a:r>
-              <a:rPr lang="fr-FR" dirty="0" smtClean="0"/>
-              <a:t>(x) donne 2</a:t>
-            </a:r>
-          </a:p>
-          <a:p>
-            <a:r>
-              <a:rPr lang="fr-FR" dirty="0" smtClean="0"/>
-              <a:t>* et + ont été surchargés</a:t>
-            </a:r>
-          </a:p>
-          <a:p>
-            <a:endParaRPr lang="fr-FR" dirty="0"/>
-          </a:p>
-        </p:txBody>
-      </p:sp>
-    </p:spTree>
-    <p:extLst>
-      <p:ext uri="{BB962C8B-B14F-4D97-AF65-F5344CB8AC3E}">
-        <p14:creationId xmlns:p14="http://schemas.microsoft.com/office/powerpoint/2010/main" val="3491682502"/>
-      </p:ext>
-    </p:extLst>
-  </p:cSld>
-  <p:clrMapOvr>
-    <a:masterClrMapping/>
-  </p:clrMapOvr>
-  <p:timing>
-    <p:tnLst>
-      <p:par>
-        <p:cTn id="1" dur="indefinite" restart="never" nodeType="tmRoot"/>
-      </p:par>
-    </p:tnLst>
-  </p:timing>
-</p:sld>
-</file>
-
-<file path=ppt/slides/slide13.xml><?xml version="1.0" encoding="utf-8"?>
-<p:sld xmlns:a="http://schemas.openxmlformats.org/drawingml/2006/main" xmlns:r="http://schemas.openxmlformats.org/officeDocument/2006/relationships" xmlns:p="http://schemas.openxmlformats.org/presentationml/2006/main">
-  <p:cSld>
-    <p:spTree>
-      <p:nvGrpSpPr>
-        <p:cNvPr id="1" name=""/>
-        <p:cNvGrpSpPr/>
-        <p:nvPr/>
-      </p:nvGrpSpPr>
-      <p:grpSpPr>
-        <a:xfrm>
-          <a:off x="0" y="0"/>
-          <a:ext cx="0" cy="0"/>
-          <a:chOff x="0" y="0"/>
-          <a:chExt cx="0" cy="0"/>
-        </a:xfrm>
-      </p:grpSpPr>
-      <p:sp>
-        <p:nvSpPr>
-          <p:cNvPr id="2" name="Titre 1"/>
-          <p:cNvSpPr>
-            <a:spLocks noGrp="1"/>
-          </p:cNvSpPr>
-          <p:nvPr>
-            <p:ph type="title"/>
-          </p:nvPr>
-        </p:nvSpPr>
-        <p:spPr/>
-        <p:txBody>
-          <a:bodyPr/>
-          <a:lstStyle/>
-          <a:p>
-            <a:r>
-              <a:rPr lang="fr-FR" dirty="0"/>
-              <a:t>Transformation de </a:t>
-            </a:r>
-            <a:r>
-              <a:rPr lang="fr-FR" dirty="0" smtClean="0"/>
-              <a:t>Fourier</a:t>
-            </a:r>
-            <a:br>
-              <a:rPr lang="fr-FR" dirty="0" smtClean="0"/>
-            </a:br>
-            <a:r>
-              <a:rPr lang="fr-FR" dirty="0" smtClean="0"/>
-              <a:t>Exemple simple</a:t>
-            </a:r>
-            <a:endParaRPr lang="fr-FR" dirty="0"/>
-          </a:p>
-        </p:txBody>
-      </p:sp>
-      <p:pic>
-        <p:nvPicPr>
-          <p:cNvPr id="4" name="Espace réservé du contenu 3"/>
-          <p:cNvPicPr>
-            <a:picLocks noGrp="1" noChangeAspect="1"/>
-          </p:cNvPicPr>
-          <p:nvPr>
-            <p:ph idx="1"/>
-          </p:nvPr>
-        </p:nvPicPr>
-        <p:blipFill>
-          <a:blip r:embed="rId2"/>
-          <a:stretch>
-            <a:fillRect/>
-          </a:stretch>
-        </p:blipFill>
-        <p:spPr>
-          <a:xfrm>
-            <a:off x="179512" y="1156209"/>
-            <a:ext cx="4141945" cy="5040313"/>
-          </a:xfrm>
-          <a:prstGeom prst="rect">
-            <a:avLst/>
-          </a:prstGeom>
-        </p:spPr>
-      </p:pic>
-      <p:pic>
-        <p:nvPicPr>
-          <p:cNvPr id="5" name="Image 4"/>
-          <p:cNvPicPr>
-            <a:picLocks noChangeAspect="1"/>
-          </p:cNvPicPr>
-          <p:nvPr/>
-        </p:nvPicPr>
-        <p:blipFill>
-          <a:blip r:embed="rId3"/>
-          <a:stretch>
-            <a:fillRect/>
-          </a:stretch>
-        </p:blipFill>
-        <p:spPr>
-          <a:xfrm>
-            <a:off x="4321457" y="1755360"/>
-            <a:ext cx="5043991" cy="3782993"/>
-          </a:xfrm>
-          <a:prstGeom prst="rect">
-            <a:avLst/>
-          </a:prstGeom>
-        </p:spPr>
-      </p:pic>
-      <p:sp>
-        <p:nvSpPr>
-          <p:cNvPr id="3" name="ZoneTexte 2"/>
-          <p:cNvSpPr txBox="1"/>
-          <p:nvPr/>
-        </p:nvSpPr>
-        <p:spPr>
-          <a:xfrm>
-            <a:off x="4321457" y="1083034"/>
-            <a:ext cx="4951868" cy="830997"/>
-          </a:xfrm>
-          <a:prstGeom prst="rect">
-            <a:avLst/>
-          </a:prstGeom>
-          <a:noFill/>
-        </p:spPr>
-        <p:txBody>
-          <a:bodyPr wrap="none" rtlCol="0">
-            <a:spAutoFit/>
-          </a:bodyPr>
-          <a:lstStyle/>
-          <a:p>
-            <a:r>
-              <a:rPr lang="fr-FR" sz="1600" dirty="0"/>
-              <a:t>La Transformée de Fourier </a:t>
-            </a:r>
-            <a:r>
-              <a:rPr lang="fr-FR" sz="1600" dirty="0" smtClean="0"/>
-              <a:t>Rapide (</a:t>
-            </a:r>
-            <a:r>
-              <a:rPr lang="fr-FR" sz="1600" b="1" dirty="0" smtClean="0"/>
-              <a:t>FFT)</a:t>
-            </a:r>
-            <a:r>
-              <a:rPr lang="fr-FR" sz="1600" dirty="0" smtClean="0"/>
-              <a:t> </a:t>
-            </a:r>
-            <a:r>
-              <a:rPr lang="fr-FR" sz="1600" dirty="0"/>
-              <a:t>est un </a:t>
-            </a:r>
-            <a:r>
-              <a:rPr lang="fr-FR" sz="1600" dirty="0" err="1" smtClean="0"/>
-              <a:t>algo</a:t>
-            </a:r>
-            <a:endParaRPr lang="fr-FR" sz="1600" dirty="0" smtClean="0"/>
-          </a:p>
-          <a:p>
-            <a:r>
-              <a:rPr lang="fr-FR" sz="1600" dirty="0" smtClean="0"/>
-              <a:t>qui </a:t>
-            </a:r>
-            <a:r>
-              <a:rPr lang="fr-FR" sz="1600" dirty="0"/>
-              <a:t>permet de calculer des Transformées de </a:t>
-            </a:r>
-            <a:r>
-              <a:rPr lang="fr-FR" sz="1600" dirty="0" smtClean="0"/>
-              <a:t>Fourier</a:t>
-            </a:r>
-          </a:p>
-          <a:p>
-            <a:r>
-              <a:rPr lang="fr-FR" sz="1600" dirty="0" smtClean="0"/>
-              <a:t>Discrètes</a:t>
-            </a:r>
-            <a:r>
-              <a:rPr lang="fr-FR" sz="1600" dirty="0"/>
-              <a:t> </a:t>
-            </a:r>
-            <a:r>
-              <a:rPr lang="fr-FR" sz="1600" dirty="0" smtClean="0"/>
-              <a:t>(</a:t>
-            </a:r>
-            <a:r>
-              <a:rPr lang="fr-FR" sz="1600" b="1" dirty="0" smtClean="0"/>
-              <a:t>DFT)</a:t>
-            </a:r>
-          </a:p>
-        </p:txBody>
-      </p:sp>
-    </p:spTree>
-    <p:extLst>
-      <p:ext uri="{BB962C8B-B14F-4D97-AF65-F5344CB8AC3E}">
-        <p14:creationId xmlns:p14="http://schemas.microsoft.com/office/powerpoint/2010/main" val="1258708871"/>
-      </p:ext>
-    </p:extLst>
-  </p:cSld>
-  <p:clrMapOvr>
-    <a:masterClrMapping/>
-  </p:clrMapOvr>
-  <p:timing>
-    <p:tnLst>
-      <p:par>
-        <p:cTn id="1" dur="indefinite" restart="never" nodeType="tmRoot"/>
-      </p:par>
-    </p:tnLst>
-  </p:timing>
-</p:sld>
-</file>
-
 <file path=ppt/slides/slide2.xml><?xml version="1.0" encoding="utf-8"?>
 <p:sld xmlns:a="http://schemas.openxmlformats.org/drawingml/2006/main" xmlns:r="http://schemas.openxmlformats.org/officeDocument/2006/relationships" xmlns:p="http://schemas.openxmlformats.org/presentationml/2006/main">
   <p:cSld>
@@ -5832,11 +5494,7 @@
             </a:r>
             <a:r>
               <a:rPr lang="fr-FR" dirty="0" smtClean="0"/>
-              <a:t> </a:t>
-            </a:r>
-            <a:r>
-              <a:rPr lang="fr-FR" dirty="0" smtClean="0"/>
-              <a:t>= b, </a:t>
+              <a:t> = b, </a:t>
             </a:r>
             <a:r>
               <a:rPr lang="fr-FR" dirty="0" err="1" smtClean="0"/>
